--- a/doc/internal_meeting_materials/meeting_materials_qdrone_internal_20190107.pptx
+++ b/doc/internal_meeting_materials/meeting_materials_qdrone_internal_20190107.pptx
@@ -5,7 +5,7 @@
     <p:sldMasterId id="2147483660" r:id="rId1"/>
   </p:sldMasterIdLst>
   <p:notesMasterIdLst>
-    <p:notesMasterId r:id="rId11"/>
+    <p:notesMasterId r:id="rId12"/>
   </p:notesMasterIdLst>
   <p:sldIdLst>
     <p:sldId id="256" r:id="rId2"/>
@@ -17,6 +17,7 @@
     <p:sldId id="266" r:id="rId8"/>
     <p:sldId id="267" r:id="rId9"/>
     <p:sldId id="269" r:id="rId10"/>
+    <p:sldId id="271" r:id="rId11"/>
   </p:sldIdLst>
   <p:sldSz cx="9144000" cy="6858000" type="screen4x3"/>
   <p:notesSz cx="6858000" cy="9144000"/>
@@ -205,7 +206,7 @@
           <a:p>
             <a:fld id="{500AD8EE-370E-4FC1-B524-9937DF440C07}" type="datetimeFigureOut">
               <a:rPr lang="en-CA" smtClean="0"/>
-              <a:t>2019-01-07</a:t>
+              <a:t>2019-01-09</a:t>
             </a:fld>
             <a:endParaRPr lang="en-CA"/>
           </a:p>
@@ -604,7 +605,7 @@
           <a:p>
             <a:fld id="{AF3C5DF7-99D1-462A-A115-401144846B1F}" type="datetime1">
               <a:rPr lang="en-CA" smtClean="0"/>
-              <a:t>2019-01-07</a:t>
+              <a:t>2019-01-09</a:t>
             </a:fld>
             <a:endParaRPr lang="en-CA"/>
           </a:p>
@@ -774,7 +775,7 @@
           <a:p>
             <a:fld id="{463BE51D-6BF2-4493-B121-1D1ABD088316}" type="datetime1">
               <a:rPr lang="en-CA" smtClean="0"/>
-              <a:t>2019-01-07</a:t>
+              <a:t>2019-01-09</a:t>
             </a:fld>
             <a:endParaRPr lang="en-CA"/>
           </a:p>
@@ -954,7 +955,7 @@
           <a:p>
             <a:fld id="{B04C9B16-5D72-4048-A56D-33CC63DE0251}" type="datetime1">
               <a:rPr lang="en-CA" smtClean="0"/>
-              <a:t>2019-01-07</a:t>
+              <a:t>2019-01-09</a:t>
             </a:fld>
             <a:endParaRPr lang="en-CA"/>
           </a:p>
@@ -1124,7 +1125,7 @@
           <a:p>
             <a:fld id="{E6BE00A3-F3C8-4F27-BF8F-9FC0CBEDF161}" type="datetime1">
               <a:rPr lang="en-CA" smtClean="0"/>
-              <a:t>2019-01-07</a:t>
+              <a:t>2019-01-09</a:t>
             </a:fld>
             <a:endParaRPr lang="en-CA"/>
           </a:p>
@@ -1368,7 +1369,7 @@
           <a:p>
             <a:fld id="{338AD785-506D-4BFB-8B72-738F2EF0EC91}" type="datetime1">
               <a:rPr lang="en-CA" smtClean="0"/>
-              <a:t>2019-01-07</a:t>
+              <a:t>2019-01-09</a:t>
             </a:fld>
             <a:endParaRPr lang="en-CA"/>
           </a:p>
@@ -1600,7 +1601,7 @@
           <a:p>
             <a:fld id="{D523F6BB-D6E0-4949-88B4-488974F24FCB}" type="datetime1">
               <a:rPr lang="en-CA" smtClean="0"/>
-              <a:t>2019-01-07</a:t>
+              <a:t>2019-01-09</a:t>
             </a:fld>
             <a:endParaRPr lang="en-CA"/>
           </a:p>
@@ -1967,7 +1968,7 @@
           <a:p>
             <a:fld id="{1E964944-EFDF-412C-8203-CB697F87ECFA}" type="datetime1">
               <a:rPr lang="en-CA" smtClean="0"/>
-              <a:t>2019-01-07</a:t>
+              <a:t>2019-01-09</a:t>
             </a:fld>
             <a:endParaRPr lang="en-CA"/>
           </a:p>
@@ -2085,7 +2086,7 @@
           <a:p>
             <a:fld id="{37DF958E-6112-44D5-ACCA-C80F09A59420}" type="datetime1">
               <a:rPr lang="en-CA" smtClean="0"/>
-              <a:t>2019-01-07</a:t>
+              <a:t>2019-01-09</a:t>
             </a:fld>
             <a:endParaRPr lang="en-CA"/>
           </a:p>
@@ -2180,7 +2181,7 @@
           <a:p>
             <a:fld id="{3A9774B9-14E9-4A8C-ABEC-4F8FB224ABF4}" type="datetime1">
               <a:rPr lang="en-CA" smtClean="0"/>
-              <a:t>2019-01-07</a:t>
+              <a:t>2019-01-09</a:t>
             </a:fld>
             <a:endParaRPr lang="en-CA"/>
           </a:p>
@@ -2457,7 +2458,7 @@
           <a:p>
             <a:fld id="{7C9BE81C-8319-4C9D-BDC3-02CC03157F5C}" type="datetime1">
               <a:rPr lang="en-CA" smtClean="0"/>
-              <a:t>2019-01-07</a:t>
+              <a:t>2019-01-09</a:t>
             </a:fld>
             <a:endParaRPr lang="en-CA"/>
           </a:p>
@@ -2714,7 +2715,7 @@
           <a:p>
             <a:fld id="{1B5C0844-11AF-499F-A507-21034F6ABE6A}" type="datetime1">
               <a:rPr lang="en-CA" smtClean="0"/>
-              <a:t>2019-01-07</a:t>
+              <a:t>2019-01-09</a:t>
             </a:fld>
             <a:endParaRPr lang="en-CA"/>
           </a:p>
@@ -2925,7 +2926,7 @@
           <a:p>
             <a:fld id="{8C28CECE-CBF5-4CE3-A3DF-9CE71E8F99CE}" type="datetime1">
               <a:rPr lang="en-CA" smtClean="0"/>
-              <a:t>2019-01-07</a:t>
+              <a:t>2019-01-09</a:t>
             </a:fld>
             <a:endParaRPr lang="en-CA"/>
           </a:p>
@@ -3426,6 +3427,669 @@
 </p:sld>
 </file>
 
+<file path=ppt/slides/slide10.xml><?xml version="1.0" encoding="utf-8"?>
+<p:sld xmlns:a="http://schemas.openxmlformats.org/drawingml/2006/main" xmlns:r="http://schemas.openxmlformats.org/officeDocument/2006/relationships" xmlns:p="http://schemas.openxmlformats.org/presentationml/2006/main">
+  <p:cSld>
+    <p:spTree>
+      <p:nvGrpSpPr>
+        <p:cNvPr id="1" name=""/>
+        <p:cNvGrpSpPr/>
+        <p:nvPr/>
+      </p:nvGrpSpPr>
+      <p:grpSpPr>
+        <a:xfrm>
+          <a:off x="0" y="0"/>
+          <a:ext cx="0" cy="0"/>
+          <a:chOff x="0" y="0"/>
+          <a:chExt cx="0" cy="0"/>
+        </a:xfrm>
+      </p:grpSpPr>
+      <p:sp>
+        <p:nvSpPr>
+          <p:cNvPr id="2" name="Title 1">
+            <a:extLst>
+              <a:ext uri="{FF2B5EF4-FFF2-40B4-BE49-F238E27FC236}">
+                <a16:creationId xmlns:a16="http://schemas.microsoft.com/office/drawing/2014/main" id="{739DB858-BE84-4A32-B042-D69559E49991}"/>
+              </a:ext>
+            </a:extLst>
+          </p:cNvPr>
+          <p:cNvSpPr>
+            <a:spLocks noGrp="1"/>
+          </p:cNvSpPr>
+          <p:nvPr>
+            <p:ph type="title"/>
+          </p:nvPr>
+        </p:nvSpPr>
+        <p:spPr/>
+        <p:txBody>
+          <a:bodyPr/>
+          <a:lstStyle/>
+          <a:p>
+            <a:r>
+              <a:rPr lang="en-CA" dirty="0"/>
+              <a:t>Future Plan</a:t>
+            </a:r>
+          </a:p>
+        </p:txBody>
+      </p:sp>
+      <p:sp>
+        <p:nvSpPr>
+          <p:cNvPr id="3" name="Content Placeholder 2">
+            <a:extLst>
+              <a:ext uri="{FF2B5EF4-FFF2-40B4-BE49-F238E27FC236}">
+                <a16:creationId xmlns:a16="http://schemas.microsoft.com/office/drawing/2014/main" id="{15672DEC-CCB3-4DE5-828D-6477D486FD6A}"/>
+              </a:ext>
+            </a:extLst>
+          </p:cNvPr>
+          <p:cNvSpPr>
+            <a:spLocks noGrp="1"/>
+          </p:cNvSpPr>
+          <p:nvPr>
+            <p:ph idx="1"/>
+          </p:nvPr>
+        </p:nvSpPr>
+        <p:spPr>
+          <a:xfrm>
+            <a:off x="628650" y="1095769"/>
+            <a:ext cx="7886700" cy="496375"/>
+          </a:xfrm>
+        </p:spPr>
+        <p:txBody>
+          <a:bodyPr/>
+          <a:lstStyle/>
+          <a:p>
+            <a:r>
+              <a:rPr lang="en-CA" dirty="0"/>
+              <a:t> </a:t>
+            </a:r>
+            <a:r>
+              <a:rPr lang="en-CA" dirty="0" err="1"/>
+              <a:t>Jungwon's</a:t>
+            </a:r>
+            <a:r>
+              <a:rPr lang="en-CA" dirty="0"/>
+              <a:t> Rough Suggestion for Future Plan </a:t>
+            </a:r>
+          </a:p>
+        </p:txBody>
+      </p:sp>
+      <p:sp>
+        <p:nvSpPr>
+          <p:cNvPr id="4" name="Slide Number Placeholder 3">
+            <a:extLst>
+              <a:ext uri="{FF2B5EF4-FFF2-40B4-BE49-F238E27FC236}">
+                <a16:creationId xmlns:a16="http://schemas.microsoft.com/office/drawing/2014/main" id="{6847105F-0DF8-4E44-8C25-38CA60E3011D}"/>
+              </a:ext>
+            </a:extLst>
+          </p:cNvPr>
+          <p:cNvSpPr>
+            <a:spLocks noGrp="1"/>
+          </p:cNvSpPr>
+          <p:nvPr>
+            <p:ph type="sldNum" sz="quarter" idx="12"/>
+          </p:nvPr>
+        </p:nvSpPr>
+        <p:spPr/>
+        <p:txBody>
+          <a:bodyPr/>
+          <a:lstStyle/>
+          <a:p>
+            <a:fld id="{46E849EC-D1EB-41F7-B0EC-7F1D430A9A74}" type="slidenum">
+              <a:rPr lang="en-CA" smtClean="0"/>
+              <a:t>10</a:t>
+            </a:fld>
+            <a:endParaRPr lang="en-CA"/>
+          </a:p>
+        </p:txBody>
+      </p:sp>
+      <p:sp>
+        <p:nvSpPr>
+          <p:cNvPr id="9" name="Rectangle 8">
+            <a:extLst>
+              <a:ext uri="{FF2B5EF4-FFF2-40B4-BE49-F238E27FC236}">
+                <a16:creationId xmlns:a16="http://schemas.microsoft.com/office/drawing/2014/main" id="{C4F362A6-7720-4525-9AB2-677AE54B351B}"/>
+              </a:ext>
+            </a:extLst>
+          </p:cNvPr>
+          <p:cNvSpPr/>
+          <p:nvPr/>
+        </p:nvSpPr>
+        <p:spPr>
+          <a:xfrm>
+            <a:off x="1897408" y="5587801"/>
+            <a:ext cx="5349184" cy="318785"/>
+          </a:xfrm>
+          <a:prstGeom prst="rect">
+            <a:avLst/>
+          </a:prstGeom>
+          <a:noFill/>
+          <a:ln w="28575">
+            <a:noFill/>
+          </a:ln>
+        </p:spPr>
+        <p:style>
+          <a:lnRef idx="2">
+            <a:schemeClr val="accent1">
+              <a:shade val="50000"/>
+            </a:schemeClr>
+          </a:lnRef>
+          <a:fillRef idx="1">
+            <a:schemeClr val="accent1"/>
+          </a:fillRef>
+          <a:effectRef idx="0">
+            <a:schemeClr val="accent1"/>
+          </a:effectRef>
+          <a:fontRef idx="minor">
+            <a:schemeClr val="lt1"/>
+          </a:fontRef>
+        </p:style>
+        <p:txBody>
+          <a:bodyPr rtlCol="0" anchor="ctr"/>
+          <a:lstStyle/>
+          <a:p>
+            <a:r>
+              <a:rPr lang="en-CA" sz="1400" b="1" dirty="0">
+                <a:solidFill>
+                  <a:schemeClr val="tx1"/>
+                </a:solidFill>
+                <a:latin typeface="Arial" panose="020B0604020202020204" pitchFamily="34" charset="0"/>
+                <a:ea typeface="Adobe Fan Heiti Std B" panose="020B0700000000000000" pitchFamily="34" charset="-128"/>
+                <a:cs typeface="Arial" panose="020B0604020202020204" pitchFamily="34" charset="0"/>
+              </a:rPr>
+              <a:t>Jungwon: </a:t>
+            </a:r>
+            <a:r>
+              <a:rPr lang="en-CA" sz="1400" dirty="0">
+                <a:solidFill>
+                  <a:schemeClr val="tx1"/>
+                </a:solidFill>
+                <a:latin typeface="Arial" panose="020B0604020202020204" pitchFamily="34" charset="0"/>
+                <a:ea typeface="Adobe Fan Heiti Std B" panose="020B0700000000000000" pitchFamily="34" charset="-128"/>
+                <a:cs typeface="Arial" panose="020B0604020202020204" pitchFamily="34" charset="0"/>
+              </a:rPr>
+              <a:t>supports </a:t>
+            </a:r>
+            <a:r>
+              <a:rPr lang="en-CA" sz="1400" dirty="0" err="1">
+                <a:solidFill>
+                  <a:schemeClr val="tx1"/>
+                </a:solidFill>
+                <a:latin typeface="Arial" panose="020B0604020202020204" pitchFamily="34" charset="0"/>
+                <a:ea typeface="Adobe Fan Heiti Std B" panose="020B0700000000000000" pitchFamily="34" charset="-128"/>
+                <a:cs typeface="Arial" panose="020B0604020202020204" pitchFamily="34" charset="0"/>
+              </a:rPr>
+              <a:t>Kunwoo</a:t>
+            </a:r>
+            <a:r>
+              <a:rPr lang="en-CA" sz="1400" dirty="0">
+                <a:solidFill>
+                  <a:schemeClr val="tx1"/>
+                </a:solidFill>
+                <a:latin typeface="Arial" panose="020B0604020202020204" pitchFamily="34" charset="0"/>
+                <a:ea typeface="Adobe Fan Heiti Std B" panose="020B0700000000000000" pitchFamily="34" charset="-128"/>
+                <a:cs typeface="Arial" panose="020B0604020202020204" pitchFamily="34" charset="0"/>
+              </a:rPr>
+              <a:t> &amp; Zahra mainly in technical issues.</a:t>
+            </a:r>
+          </a:p>
+        </p:txBody>
+      </p:sp>
+      <p:sp>
+        <p:nvSpPr>
+          <p:cNvPr id="5" name="Rectangle 4">
+            <a:extLst>
+              <a:ext uri="{FF2B5EF4-FFF2-40B4-BE49-F238E27FC236}">
+                <a16:creationId xmlns:a16="http://schemas.microsoft.com/office/drawing/2014/main" id="{323232B8-A119-4305-8F17-53B1F246AF28}"/>
+              </a:ext>
+            </a:extLst>
+          </p:cNvPr>
+          <p:cNvSpPr/>
+          <p:nvPr/>
+        </p:nvSpPr>
+        <p:spPr>
+          <a:xfrm>
+            <a:off x="1274690" y="3416864"/>
+            <a:ext cx="3210403" cy="1224000"/>
+          </a:xfrm>
+          <a:prstGeom prst="rect">
+            <a:avLst/>
+          </a:prstGeom>
+          <a:noFill/>
+          <a:ln w="19050">
+            <a:solidFill>
+              <a:schemeClr val="tx1"/>
+            </a:solidFill>
+          </a:ln>
+        </p:spPr>
+        <p:style>
+          <a:lnRef idx="2">
+            <a:schemeClr val="accent1">
+              <a:shade val="50000"/>
+            </a:schemeClr>
+          </a:lnRef>
+          <a:fillRef idx="1">
+            <a:schemeClr val="accent1"/>
+          </a:fillRef>
+          <a:effectRef idx="0">
+            <a:schemeClr val="accent1"/>
+          </a:effectRef>
+          <a:fontRef idx="minor">
+            <a:schemeClr val="lt1"/>
+          </a:fontRef>
+        </p:style>
+        <p:txBody>
+          <a:bodyPr rtlCol="0" anchor="ctr"/>
+          <a:lstStyle/>
+          <a:p>
+            <a:r>
+              <a:rPr lang="en-CA" sz="1400" dirty="0">
+                <a:solidFill>
+                  <a:schemeClr val="tx1"/>
+                </a:solidFill>
+                <a:latin typeface="Arial" panose="020B0604020202020204" pitchFamily="34" charset="0"/>
+                <a:ea typeface="Adobe Fan Heiti Std B" panose="020B0700000000000000" pitchFamily="34" charset="-128"/>
+                <a:cs typeface="Arial" panose="020B0604020202020204" pitchFamily="34" charset="0"/>
+              </a:rPr>
+              <a:t>UWB-Inertial Odometry (UIO)</a:t>
+            </a:r>
+          </a:p>
+          <a:p>
+            <a:r>
+              <a:rPr lang="en-CA" sz="1200" dirty="0">
+                <a:solidFill>
+                  <a:schemeClr val="tx1"/>
+                </a:solidFill>
+                <a:latin typeface="Arial" panose="020B0604020202020204" pitchFamily="34" charset="0"/>
+                <a:ea typeface="Adobe Fan Heiti Std B" panose="020B0700000000000000" pitchFamily="34" charset="-128"/>
+                <a:cs typeface="Arial" panose="020B0604020202020204" pitchFamily="34" charset="0"/>
+              </a:rPr>
+              <a:t>  ▪ EKF-based UIO and/or DOP</a:t>
+            </a:r>
+          </a:p>
+          <a:p>
+            <a:r>
+              <a:rPr lang="en-CA" sz="1200" dirty="0">
+                <a:solidFill>
+                  <a:schemeClr val="tx1"/>
+                </a:solidFill>
+                <a:latin typeface="Arial" panose="020B0604020202020204" pitchFamily="34" charset="0"/>
+                <a:ea typeface="Adobe Fan Heiti Std B" panose="020B0700000000000000" pitchFamily="34" charset="-128"/>
+                <a:cs typeface="Arial" panose="020B0604020202020204" pitchFamily="34" charset="0"/>
+              </a:rPr>
+              <a:t>  ▪ MSCKF-based UIO and/or DOP</a:t>
+            </a:r>
+          </a:p>
+          <a:p>
+            <a:endParaRPr lang="en-CA" sz="1400" dirty="0">
+              <a:solidFill>
+                <a:schemeClr val="tx1"/>
+              </a:solidFill>
+              <a:latin typeface="Arial" panose="020B0604020202020204" pitchFamily="34" charset="0"/>
+              <a:ea typeface="Adobe Fan Heiti Std B" panose="020B0700000000000000" pitchFamily="34" charset="-128"/>
+              <a:cs typeface="Arial" panose="020B0604020202020204" pitchFamily="34" charset="0"/>
+            </a:endParaRPr>
+          </a:p>
+          <a:p>
+            <a:r>
+              <a:rPr lang="en-CA" sz="1400" dirty="0">
+                <a:solidFill>
+                  <a:schemeClr val="tx1"/>
+                </a:solidFill>
+                <a:latin typeface="Arial" panose="020B0604020202020204" pitchFamily="34" charset="0"/>
+                <a:ea typeface="Adobe Fan Heiti Std B" panose="020B0700000000000000" pitchFamily="34" charset="-128"/>
+                <a:cs typeface="Arial" panose="020B0604020202020204" pitchFamily="34" charset="0"/>
+              </a:rPr>
+              <a:t>Localization with UIO + GPS switching</a:t>
+            </a:r>
+          </a:p>
+        </p:txBody>
+      </p:sp>
+      <p:sp>
+        <p:nvSpPr>
+          <p:cNvPr id="6" name="Rectangle 5">
+            <a:extLst>
+              <a:ext uri="{FF2B5EF4-FFF2-40B4-BE49-F238E27FC236}">
+                <a16:creationId xmlns:a16="http://schemas.microsoft.com/office/drawing/2014/main" id="{7699344E-56B8-4E22-AD1F-29D1A838A6A4}"/>
+              </a:ext>
+            </a:extLst>
+          </p:cNvPr>
+          <p:cNvSpPr/>
+          <p:nvPr/>
+        </p:nvSpPr>
+        <p:spPr>
+          <a:xfrm>
+            <a:off x="1274690" y="3078131"/>
+            <a:ext cx="3289950" cy="318785"/>
+          </a:xfrm>
+          <a:prstGeom prst="rect">
+            <a:avLst/>
+          </a:prstGeom>
+          <a:noFill/>
+          <a:ln w="28575">
+            <a:noFill/>
+          </a:ln>
+        </p:spPr>
+        <p:style>
+          <a:lnRef idx="2">
+            <a:schemeClr val="accent1">
+              <a:shade val="50000"/>
+            </a:schemeClr>
+          </a:lnRef>
+          <a:fillRef idx="1">
+            <a:schemeClr val="accent1"/>
+          </a:fillRef>
+          <a:effectRef idx="0">
+            <a:schemeClr val="accent1"/>
+          </a:effectRef>
+          <a:fontRef idx="minor">
+            <a:schemeClr val="lt1"/>
+          </a:fontRef>
+        </p:style>
+        <p:txBody>
+          <a:bodyPr rtlCol="0" anchor="ctr"/>
+          <a:lstStyle/>
+          <a:p>
+            <a:r>
+              <a:rPr lang="en-CA" sz="1400" b="1" dirty="0" err="1">
+                <a:solidFill>
+                  <a:schemeClr val="tx1"/>
+                </a:solidFill>
+                <a:latin typeface="Arial" panose="020B0604020202020204" pitchFamily="34" charset="0"/>
+                <a:ea typeface="Adobe Fan Heiti Std B" panose="020B0700000000000000" pitchFamily="34" charset="-128"/>
+                <a:cs typeface="Arial" panose="020B0604020202020204" pitchFamily="34" charset="0"/>
+              </a:rPr>
+              <a:t>Kunwoo</a:t>
+            </a:r>
+            <a:r>
+              <a:rPr lang="en-CA" sz="1400" b="1" dirty="0">
+                <a:solidFill>
+                  <a:schemeClr val="tx1"/>
+                </a:solidFill>
+                <a:latin typeface="Arial" panose="020B0604020202020204" pitchFamily="34" charset="0"/>
+                <a:ea typeface="Adobe Fan Heiti Std B" panose="020B0700000000000000" pitchFamily="34" charset="-128"/>
+                <a:cs typeface="Arial" panose="020B0604020202020204" pitchFamily="34" charset="0"/>
+              </a:rPr>
+              <a:t> </a:t>
+            </a:r>
+            <a:r>
+              <a:rPr lang="en-CA" sz="1400" dirty="0">
+                <a:solidFill>
+                  <a:schemeClr val="tx1"/>
+                </a:solidFill>
+                <a:latin typeface="Arial" panose="020B0604020202020204" pitchFamily="34" charset="0"/>
+                <a:ea typeface="Adobe Fan Heiti Std B" panose="020B0700000000000000" pitchFamily="34" charset="-128"/>
+                <a:cs typeface="Arial" panose="020B0604020202020204" pitchFamily="34" charset="0"/>
+              </a:rPr>
+              <a:t>(primarily UAV localization)</a:t>
+            </a:r>
+          </a:p>
+        </p:txBody>
+      </p:sp>
+      <p:sp>
+        <p:nvSpPr>
+          <p:cNvPr id="7" name="Rectangle 6">
+            <a:extLst>
+              <a:ext uri="{FF2B5EF4-FFF2-40B4-BE49-F238E27FC236}">
+                <a16:creationId xmlns:a16="http://schemas.microsoft.com/office/drawing/2014/main" id="{E2892C5C-ECDE-4D7A-913B-CA76C9FF8EEE}"/>
+              </a:ext>
+            </a:extLst>
+          </p:cNvPr>
+          <p:cNvSpPr/>
+          <p:nvPr/>
+        </p:nvSpPr>
+        <p:spPr>
+          <a:xfrm>
+            <a:off x="5114428" y="2161655"/>
+            <a:ext cx="2891241" cy="318785"/>
+          </a:xfrm>
+          <a:prstGeom prst="rect">
+            <a:avLst/>
+          </a:prstGeom>
+          <a:noFill/>
+          <a:ln w="28575">
+            <a:noFill/>
+          </a:ln>
+        </p:spPr>
+        <p:style>
+          <a:lnRef idx="2">
+            <a:schemeClr val="accent1">
+              <a:shade val="50000"/>
+            </a:schemeClr>
+          </a:lnRef>
+          <a:fillRef idx="1">
+            <a:schemeClr val="accent1"/>
+          </a:fillRef>
+          <a:effectRef idx="0">
+            <a:schemeClr val="accent1"/>
+          </a:effectRef>
+          <a:fontRef idx="minor">
+            <a:schemeClr val="lt1"/>
+          </a:fontRef>
+        </p:style>
+        <p:txBody>
+          <a:bodyPr rtlCol="0" anchor="ctr"/>
+          <a:lstStyle/>
+          <a:p>
+            <a:r>
+              <a:rPr lang="en-CA" sz="1400" b="1" dirty="0">
+                <a:solidFill>
+                  <a:schemeClr val="tx1"/>
+                </a:solidFill>
+                <a:latin typeface="Arial" panose="020B0604020202020204" pitchFamily="34" charset="0"/>
+                <a:ea typeface="Adobe Fan Heiti Std B" panose="020B0700000000000000" pitchFamily="34" charset="-128"/>
+                <a:cs typeface="Arial" panose="020B0604020202020204" pitchFamily="34" charset="0"/>
+              </a:rPr>
+              <a:t>Zahra </a:t>
+            </a:r>
+            <a:r>
+              <a:rPr lang="en-CA" sz="1400" dirty="0">
+                <a:solidFill>
+                  <a:schemeClr val="tx1"/>
+                </a:solidFill>
+                <a:latin typeface="Arial" panose="020B0604020202020204" pitchFamily="34" charset="0"/>
+                <a:ea typeface="Adobe Fan Heiti Std B" panose="020B0700000000000000" pitchFamily="34" charset="-128"/>
+                <a:cs typeface="Arial" panose="020B0604020202020204" pitchFamily="34" charset="0"/>
+              </a:rPr>
+              <a:t>(primarily semantic SLAM)</a:t>
+            </a:r>
+          </a:p>
+        </p:txBody>
+      </p:sp>
+      <p:sp>
+        <p:nvSpPr>
+          <p:cNvPr id="8" name="Rectangle 7">
+            <a:extLst>
+              <a:ext uri="{FF2B5EF4-FFF2-40B4-BE49-F238E27FC236}">
+                <a16:creationId xmlns:a16="http://schemas.microsoft.com/office/drawing/2014/main" id="{16508396-EFC8-41D0-BFFF-9BA7776C1B11}"/>
+              </a:ext>
+            </a:extLst>
+          </p:cNvPr>
+          <p:cNvSpPr/>
+          <p:nvPr/>
+        </p:nvSpPr>
+        <p:spPr>
+          <a:xfrm>
+            <a:off x="5114428" y="2511491"/>
+            <a:ext cx="2746865" cy="1442887"/>
+          </a:xfrm>
+          <a:prstGeom prst="rect">
+            <a:avLst/>
+          </a:prstGeom>
+          <a:noFill/>
+          <a:ln w="19050">
+            <a:solidFill>
+              <a:schemeClr val="tx1"/>
+            </a:solidFill>
+          </a:ln>
+        </p:spPr>
+        <p:style>
+          <a:lnRef idx="2">
+            <a:schemeClr val="accent1">
+              <a:shade val="50000"/>
+            </a:schemeClr>
+          </a:lnRef>
+          <a:fillRef idx="1">
+            <a:schemeClr val="accent1"/>
+          </a:fillRef>
+          <a:effectRef idx="0">
+            <a:schemeClr val="accent1"/>
+          </a:effectRef>
+          <a:fontRef idx="minor">
+            <a:schemeClr val="lt1"/>
+          </a:fontRef>
+        </p:style>
+        <p:txBody>
+          <a:bodyPr rtlCol="0" anchor="ctr"/>
+          <a:lstStyle/>
+          <a:p>
+            <a:r>
+              <a:rPr lang="en-CA" sz="1400" dirty="0">
+                <a:solidFill>
+                  <a:schemeClr val="tx1"/>
+                </a:solidFill>
+                <a:latin typeface="Arial" panose="020B0604020202020204" pitchFamily="34" charset="0"/>
+                <a:ea typeface="Adobe Fan Heiti Std B" panose="020B0700000000000000" pitchFamily="34" charset="-128"/>
+                <a:cs typeface="Arial" panose="020B0604020202020204" pitchFamily="34" charset="0"/>
+              </a:rPr>
+              <a:t>Conventional SLAM </a:t>
+            </a:r>
+          </a:p>
+          <a:p>
+            <a:r>
+              <a:rPr lang="en-CA" sz="1200" dirty="0">
+                <a:solidFill>
+                  <a:schemeClr val="tx1"/>
+                </a:solidFill>
+                <a:latin typeface="Arial" panose="020B0604020202020204" pitchFamily="34" charset="0"/>
+                <a:ea typeface="Adobe Fan Heiti Std B" panose="020B0700000000000000" pitchFamily="34" charset="-128"/>
+                <a:cs typeface="Arial" panose="020B0604020202020204" pitchFamily="34" charset="0"/>
+              </a:rPr>
+              <a:t> ▪ Using vision and/or LiDAR</a:t>
+            </a:r>
+          </a:p>
+          <a:p>
+            <a:r>
+              <a:rPr lang="en-CA" sz="1200" dirty="0">
+                <a:solidFill>
+                  <a:schemeClr val="tx1"/>
+                </a:solidFill>
+                <a:latin typeface="Arial" panose="020B0604020202020204" pitchFamily="34" charset="0"/>
+                <a:ea typeface="Adobe Fan Heiti Std B" panose="020B0700000000000000" pitchFamily="34" charset="-128"/>
+                <a:cs typeface="Arial" panose="020B0604020202020204" pitchFamily="34" charset="0"/>
+              </a:rPr>
+              <a:t> ▪ ORB2</a:t>
+            </a:r>
+          </a:p>
+          <a:p>
+            <a:endParaRPr lang="en-CA" sz="1400" dirty="0">
+              <a:solidFill>
+                <a:schemeClr val="tx1"/>
+              </a:solidFill>
+              <a:latin typeface="Arial" panose="020B0604020202020204" pitchFamily="34" charset="0"/>
+              <a:ea typeface="Adobe Fan Heiti Std B" panose="020B0700000000000000" pitchFamily="34" charset="-128"/>
+              <a:cs typeface="Arial" panose="020B0604020202020204" pitchFamily="34" charset="0"/>
+            </a:endParaRPr>
+          </a:p>
+          <a:p>
+            <a:r>
+              <a:rPr lang="en-CA" sz="1400" dirty="0">
+                <a:solidFill>
+                  <a:schemeClr val="tx1"/>
+                </a:solidFill>
+                <a:latin typeface="Arial" panose="020B0604020202020204" pitchFamily="34" charset="0"/>
+                <a:ea typeface="Adobe Fan Heiti Std B" panose="020B0700000000000000" pitchFamily="34" charset="-128"/>
+                <a:cs typeface="Arial" panose="020B0604020202020204" pitchFamily="34" charset="0"/>
+              </a:rPr>
+              <a:t>Semantic SLAM</a:t>
+            </a:r>
+          </a:p>
+          <a:p>
+            <a:r>
+              <a:rPr lang="en-CA" sz="1200" dirty="0">
+                <a:solidFill>
+                  <a:schemeClr val="tx1"/>
+                </a:solidFill>
+                <a:latin typeface="Arial" panose="020B0604020202020204" pitchFamily="34" charset="0"/>
+                <a:ea typeface="Adobe Fan Heiti Std B" panose="020B0700000000000000" pitchFamily="34" charset="-128"/>
+                <a:cs typeface="Arial" panose="020B0604020202020204" pitchFamily="34" charset="0"/>
+              </a:rPr>
+              <a:t> ▪ Fusion with deep</a:t>
+            </a:r>
+          </a:p>
+        </p:txBody>
+      </p:sp>
+      <p:sp>
+        <p:nvSpPr>
+          <p:cNvPr id="10" name="Rectangle 9">
+            <a:extLst>
+              <a:ext uri="{FF2B5EF4-FFF2-40B4-BE49-F238E27FC236}">
+                <a16:creationId xmlns:a16="http://schemas.microsoft.com/office/drawing/2014/main" id="{8A11F718-7774-4EBC-B949-456E485F4CE8}"/>
+              </a:ext>
+            </a:extLst>
+          </p:cNvPr>
+          <p:cNvSpPr/>
+          <p:nvPr/>
+        </p:nvSpPr>
+        <p:spPr>
+          <a:xfrm>
+            <a:off x="1138332" y="2466131"/>
+            <a:ext cx="6804000" cy="2304564"/>
+          </a:xfrm>
+          <a:prstGeom prst="rect">
+            <a:avLst/>
+          </a:prstGeom>
+          <a:noFill/>
+          <a:ln w="19050">
+            <a:solidFill>
+              <a:srgbClr val="0000FF"/>
+            </a:solidFill>
+            <a:prstDash val="sysDash"/>
+          </a:ln>
+        </p:spPr>
+        <p:style>
+          <a:lnRef idx="2">
+            <a:schemeClr val="accent1">
+              <a:shade val="50000"/>
+            </a:schemeClr>
+          </a:lnRef>
+          <a:fillRef idx="1">
+            <a:schemeClr val="accent1"/>
+          </a:fillRef>
+          <a:effectRef idx="0">
+            <a:schemeClr val="accent1"/>
+          </a:effectRef>
+          <a:fontRef idx="minor">
+            <a:schemeClr val="lt1"/>
+          </a:fontRef>
+        </p:style>
+        <p:txBody>
+          <a:bodyPr rtlCol="0" anchor="ctr"/>
+          <a:lstStyle/>
+          <a:p>
+            <a:endParaRPr lang="en-CA" sz="1400" dirty="0">
+              <a:solidFill>
+                <a:schemeClr val="tx1"/>
+              </a:solidFill>
+              <a:latin typeface="Arial" panose="020B0604020202020204" pitchFamily="34" charset="0"/>
+              <a:ea typeface="Adobe Fan Heiti Std B" panose="020B0700000000000000" pitchFamily="34" charset="-128"/>
+              <a:cs typeface="Arial" panose="020B0604020202020204" pitchFamily="34" charset="0"/>
+            </a:endParaRPr>
+          </a:p>
+        </p:txBody>
+      </p:sp>
+    </p:spTree>
+    <p:extLst>
+      <p:ext uri="{BB962C8B-B14F-4D97-AF65-F5344CB8AC3E}">
+        <p14:creationId xmlns:p14="http://schemas.microsoft.com/office/powerpoint/2010/main" val="3708903660"/>
+      </p:ext>
+    </p:extLst>
+  </p:cSld>
+  <p:clrMapOvr>
+    <a:masterClrMapping/>
+  </p:clrMapOvr>
+</p:sld>
+</file>
+
 <file path=ppt/slides/slide2.xml><?xml version="1.0" encoding="utf-8"?>
 <p:sld xmlns:a="http://schemas.openxmlformats.org/drawingml/2006/main" xmlns:r="http://schemas.openxmlformats.org/officeDocument/2006/relationships" xmlns:p="http://schemas.openxmlformats.org/presentationml/2006/main">
   <p:cSld>
@@ -3585,6 +4249,58 @@
               <a:rPr lang="en-CA" smtClean="0"/>
               <a:t>2</a:t>
             </a:fld>
+            <a:endParaRPr lang="en-CA"/>
+          </a:p>
+        </p:txBody>
+      </p:sp>
+      <p:sp>
+        <p:nvSpPr>
+          <p:cNvPr id="5" name="Right Triangle 4">
+            <a:extLst>
+              <a:ext uri="{FF2B5EF4-FFF2-40B4-BE49-F238E27FC236}">
+                <a16:creationId xmlns:a16="http://schemas.microsoft.com/office/drawing/2014/main" id="{0754F0C3-EFA3-496F-B42F-561CA404AB0D}"/>
+              </a:ext>
+            </a:extLst>
+          </p:cNvPr>
+          <p:cNvSpPr/>
+          <p:nvPr/>
+        </p:nvSpPr>
+        <p:spPr>
+          <a:xfrm rot="5400000">
+            <a:off x="0" y="0"/>
+            <a:ext cx="1080000" cy="1080000"/>
+          </a:xfrm>
+          <a:prstGeom prst="rtTriangle">
+            <a:avLst/>
+          </a:prstGeom>
+          <a:solidFill>
+            <a:srgbClr val="0000FF"/>
+          </a:solidFill>
+          <a:ln>
+            <a:noFill/>
+          </a:ln>
+        </p:spPr>
+        <p:style>
+          <a:lnRef idx="2">
+            <a:schemeClr val="accent1">
+              <a:shade val="50000"/>
+            </a:schemeClr>
+          </a:lnRef>
+          <a:fillRef idx="1">
+            <a:schemeClr val="accent1"/>
+          </a:fillRef>
+          <a:effectRef idx="0">
+            <a:schemeClr val="accent1"/>
+          </a:effectRef>
+          <a:fontRef idx="minor">
+            <a:schemeClr val="lt1"/>
+          </a:fontRef>
+        </p:style>
+        <p:txBody>
+          <a:bodyPr rtlCol="0" anchor="ctr"/>
+          <a:lstStyle/>
+          <a:p>
+            <a:pPr algn="ctr"/>
             <a:endParaRPr lang="en-CA"/>
           </a:p>
         </p:txBody>

--- a/doc/internal_meeting_materials/meeting_materials_qdrone_internal_20190107.pptx
+++ b/doc/internal_meeting_materials/meeting_materials_qdrone_internal_20190107.pptx
@@ -206,7 +206,7 @@
           <a:p>
             <a:fld id="{500AD8EE-370E-4FC1-B524-9937DF440C07}" type="datetimeFigureOut">
               <a:rPr lang="en-CA" smtClean="0"/>
-              <a:t>2019-01-09</a:t>
+              <a:t>2019-01-13</a:t>
             </a:fld>
             <a:endParaRPr lang="en-CA"/>
           </a:p>
@@ -605,7 +605,7 @@
           <a:p>
             <a:fld id="{AF3C5DF7-99D1-462A-A115-401144846B1F}" type="datetime1">
               <a:rPr lang="en-CA" smtClean="0"/>
-              <a:t>2019-01-09</a:t>
+              <a:t>2019-01-13</a:t>
             </a:fld>
             <a:endParaRPr lang="en-CA"/>
           </a:p>
@@ -775,7 +775,7 @@
           <a:p>
             <a:fld id="{463BE51D-6BF2-4493-B121-1D1ABD088316}" type="datetime1">
               <a:rPr lang="en-CA" smtClean="0"/>
-              <a:t>2019-01-09</a:t>
+              <a:t>2019-01-13</a:t>
             </a:fld>
             <a:endParaRPr lang="en-CA"/>
           </a:p>
@@ -955,7 +955,7 @@
           <a:p>
             <a:fld id="{B04C9B16-5D72-4048-A56D-33CC63DE0251}" type="datetime1">
               <a:rPr lang="en-CA" smtClean="0"/>
-              <a:t>2019-01-09</a:t>
+              <a:t>2019-01-13</a:t>
             </a:fld>
             <a:endParaRPr lang="en-CA"/>
           </a:p>
@@ -1125,7 +1125,7 @@
           <a:p>
             <a:fld id="{E6BE00A3-F3C8-4F27-BF8F-9FC0CBEDF161}" type="datetime1">
               <a:rPr lang="en-CA" smtClean="0"/>
-              <a:t>2019-01-09</a:t>
+              <a:t>2019-01-13</a:t>
             </a:fld>
             <a:endParaRPr lang="en-CA"/>
           </a:p>
@@ -1369,7 +1369,7 @@
           <a:p>
             <a:fld id="{338AD785-506D-4BFB-8B72-738F2EF0EC91}" type="datetime1">
               <a:rPr lang="en-CA" smtClean="0"/>
-              <a:t>2019-01-09</a:t>
+              <a:t>2019-01-13</a:t>
             </a:fld>
             <a:endParaRPr lang="en-CA"/>
           </a:p>
@@ -1601,7 +1601,7 @@
           <a:p>
             <a:fld id="{D523F6BB-D6E0-4949-88B4-488974F24FCB}" type="datetime1">
               <a:rPr lang="en-CA" smtClean="0"/>
-              <a:t>2019-01-09</a:t>
+              <a:t>2019-01-13</a:t>
             </a:fld>
             <a:endParaRPr lang="en-CA"/>
           </a:p>
@@ -1968,7 +1968,7 @@
           <a:p>
             <a:fld id="{1E964944-EFDF-412C-8203-CB697F87ECFA}" type="datetime1">
               <a:rPr lang="en-CA" smtClean="0"/>
-              <a:t>2019-01-09</a:t>
+              <a:t>2019-01-13</a:t>
             </a:fld>
             <a:endParaRPr lang="en-CA"/>
           </a:p>
@@ -2086,7 +2086,7 @@
           <a:p>
             <a:fld id="{37DF958E-6112-44D5-ACCA-C80F09A59420}" type="datetime1">
               <a:rPr lang="en-CA" smtClean="0"/>
-              <a:t>2019-01-09</a:t>
+              <a:t>2019-01-13</a:t>
             </a:fld>
             <a:endParaRPr lang="en-CA"/>
           </a:p>
@@ -2181,7 +2181,7 @@
           <a:p>
             <a:fld id="{3A9774B9-14E9-4A8C-ABEC-4F8FB224ABF4}" type="datetime1">
               <a:rPr lang="en-CA" smtClean="0"/>
-              <a:t>2019-01-09</a:t>
+              <a:t>2019-01-13</a:t>
             </a:fld>
             <a:endParaRPr lang="en-CA"/>
           </a:p>
@@ -2458,7 +2458,7 @@
           <a:p>
             <a:fld id="{7C9BE81C-8319-4C9D-BDC3-02CC03157F5C}" type="datetime1">
               <a:rPr lang="en-CA" smtClean="0"/>
-              <a:t>2019-01-09</a:t>
+              <a:t>2019-01-13</a:t>
             </a:fld>
             <a:endParaRPr lang="en-CA"/>
           </a:p>
@@ -2715,7 +2715,7 @@
           <a:p>
             <a:fld id="{1B5C0844-11AF-499F-A507-21034F6ABE6A}" type="datetime1">
               <a:rPr lang="en-CA" smtClean="0"/>
-              <a:t>2019-01-09</a:t>
+              <a:t>2019-01-13</a:t>
             </a:fld>
             <a:endParaRPr lang="en-CA"/>
           </a:p>
@@ -2926,7 +2926,7 @@
           <a:p>
             <a:fld id="{8C28CECE-CBF5-4CE3-A3DF-9CE71E8F99CE}" type="datetime1">
               <a:rPr lang="en-CA" smtClean="0"/>
-              <a:t>2019-01-09</a:t>
+              <a:t>2019-01-13</a:t>
             </a:fld>
             <a:endParaRPr lang="en-CA"/>
           </a:p>
@@ -9422,8 +9422,8 @@
         </p:nvSpPr>
         <p:spPr>
           <a:xfrm>
-            <a:off x="342000" y="1095768"/>
-            <a:ext cx="8460000" cy="5337115"/>
+            <a:off x="522000" y="1095768"/>
+            <a:ext cx="8100000" cy="5337115"/>
           </a:xfrm>
         </p:spPr>
         <p:txBody>
@@ -9440,16 +9440,23 @@
           <a:p>
             <a:pPr lvl="1"/>
             <a:r>
-              <a:rPr lang="en-CA" dirty="0"/>
+              <a:rPr lang="en-CA" sz="1800" dirty="0"/>
               <a:t>Basic setup for 'DJI M600 + Gimbal' (primarily by Zahra &amp; </a:t>
             </a:r>
             <a:r>
-              <a:rPr lang="en-CA" dirty="0" err="1"/>
+              <a:rPr lang="en-CA" sz="1800" dirty="0" err="1"/>
               <a:t>Kunwoo</a:t>
             </a:r>
             <a:r>
-              <a:rPr lang="en-CA" dirty="0"/>
+              <a:rPr lang="en-CA" sz="1800" dirty="0"/>
               <a:t>)</a:t>
+            </a:r>
+          </a:p>
+          <a:p>
+            <a:pPr lvl="1"/>
+            <a:r>
+              <a:rPr lang="en-CA" sz="1800" dirty="0"/>
+              <a:t>Booking a PSE 4th floor room equipped with motion capture systems</a:t>
             </a:r>
           </a:p>
           <a:p>

--- a/doc/internal_meeting_materials/meeting_materials_qdrone_internal_20190107.pptx
+++ b/doc/internal_meeting_materials/meeting_materials_qdrone_internal_20190107.pptx
@@ -9422,8 +9422,8 @@
         </p:nvSpPr>
         <p:spPr>
           <a:xfrm>
-            <a:off x="522000" y="1095768"/>
-            <a:ext cx="8100000" cy="5337115"/>
+            <a:off x="558000" y="1095768"/>
+            <a:ext cx="8028000" cy="5337115"/>
           </a:xfrm>
         </p:spPr>
         <p:txBody>
